--- a/PPTs/Lecture 14-radix sort.pptx
+++ b/PPTs/Lecture 14-radix sort.pptx
@@ -207,7 +207,7 @@
           <a:p>
             <a:fld id="{7E731F4C-49D2-428C-BC15-767604D5F3DB}" type="datetimeFigureOut">
               <a:rPr lang="en-US" smtClean="0"/>
-              <a:t>12/9/2024</a:t>
+              <a:t>4/22/2025</a:t>
             </a:fld>
             <a:endParaRPr lang="en-US"/>
           </a:p>
@@ -1516,7 +1516,7 @@
           <a:p>
             <a:fld id="{9F98964C-18C6-4ABD-B5DC-E707707781F9}" type="datetimeFigureOut">
               <a:rPr lang="en-US" smtClean="0"/>
-              <a:t>12/9/2024</a:t>
+              <a:t>4/22/2025</a:t>
             </a:fld>
             <a:endParaRPr lang="en-US"/>
           </a:p>
@@ -1684,7 +1684,7 @@
           <a:p>
             <a:fld id="{9F98964C-18C6-4ABD-B5DC-E707707781F9}" type="datetimeFigureOut">
               <a:rPr lang="en-US" smtClean="0"/>
-              <a:t>12/9/2024</a:t>
+              <a:t>4/22/2025</a:t>
             </a:fld>
             <a:endParaRPr lang="en-US"/>
           </a:p>
@@ -1862,7 +1862,7 @@
           <a:p>
             <a:fld id="{9F98964C-18C6-4ABD-B5DC-E707707781F9}" type="datetimeFigureOut">
               <a:rPr lang="en-US" smtClean="0"/>
-              <a:t>12/9/2024</a:t>
+              <a:t>4/22/2025</a:t>
             </a:fld>
             <a:endParaRPr lang="en-US"/>
           </a:p>
@@ -2030,7 +2030,7 @@
           <a:p>
             <a:fld id="{9F98964C-18C6-4ABD-B5DC-E707707781F9}" type="datetimeFigureOut">
               <a:rPr lang="en-US" smtClean="0"/>
-              <a:t>12/9/2024</a:t>
+              <a:t>4/22/2025</a:t>
             </a:fld>
             <a:endParaRPr lang="en-US"/>
           </a:p>
@@ -2275,7 +2275,7 @@
           <a:p>
             <a:fld id="{9F98964C-18C6-4ABD-B5DC-E707707781F9}" type="datetimeFigureOut">
               <a:rPr lang="en-US" smtClean="0"/>
-              <a:t>12/9/2024</a:t>
+              <a:t>4/22/2025</a:t>
             </a:fld>
             <a:endParaRPr lang="en-US"/>
           </a:p>
@@ -2504,7 +2504,7 @@
           <a:p>
             <a:fld id="{9F98964C-18C6-4ABD-B5DC-E707707781F9}" type="datetimeFigureOut">
               <a:rPr lang="en-US" smtClean="0"/>
-              <a:t>12/9/2024</a:t>
+              <a:t>4/22/2025</a:t>
             </a:fld>
             <a:endParaRPr lang="en-US"/>
           </a:p>
@@ -2868,7 +2868,7 @@
           <a:p>
             <a:fld id="{9F98964C-18C6-4ABD-B5DC-E707707781F9}" type="datetimeFigureOut">
               <a:rPr lang="en-US" smtClean="0"/>
-              <a:t>12/9/2024</a:t>
+              <a:t>4/22/2025</a:t>
             </a:fld>
             <a:endParaRPr lang="en-US"/>
           </a:p>
@@ -2985,7 +2985,7 @@
           <a:p>
             <a:fld id="{9F98964C-18C6-4ABD-B5DC-E707707781F9}" type="datetimeFigureOut">
               <a:rPr lang="en-US" smtClean="0"/>
-              <a:t>12/9/2024</a:t>
+              <a:t>4/22/2025</a:t>
             </a:fld>
             <a:endParaRPr lang="en-US"/>
           </a:p>
@@ -3080,7 +3080,7 @@
           <a:p>
             <a:fld id="{9F98964C-18C6-4ABD-B5DC-E707707781F9}" type="datetimeFigureOut">
               <a:rPr lang="en-US" smtClean="0"/>
-              <a:t>12/9/2024</a:t>
+              <a:t>4/22/2025</a:t>
             </a:fld>
             <a:endParaRPr lang="en-US"/>
           </a:p>
@@ -3355,7 +3355,7 @@
           <a:p>
             <a:fld id="{9F98964C-18C6-4ABD-B5DC-E707707781F9}" type="datetimeFigureOut">
               <a:rPr lang="en-US" smtClean="0"/>
-              <a:t>12/9/2024</a:t>
+              <a:t>4/22/2025</a:t>
             </a:fld>
             <a:endParaRPr lang="en-US"/>
           </a:p>
@@ -3607,7 +3607,7 @@
           <a:p>
             <a:fld id="{9F98964C-18C6-4ABD-B5DC-E707707781F9}" type="datetimeFigureOut">
               <a:rPr lang="en-US" smtClean="0"/>
-              <a:t>12/9/2024</a:t>
+              <a:t>4/22/2025</a:t>
             </a:fld>
             <a:endParaRPr lang="en-US"/>
           </a:p>
@@ -3818,7 +3818,7 @@
           <a:p>
             <a:fld id="{9F98964C-18C6-4ABD-B5DC-E707707781F9}" type="datetimeFigureOut">
               <a:rPr lang="en-US" smtClean="0"/>
-              <a:t>12/9/2024</a:t>
+              <a:t>4/22/2025</a:t>
             </a:fld>
             <a:endParaRPr lang="en-US"/>
           </a:p>
@@ -7104,10 +7104,18 @@
           <a:lstStyle/>
           <a:p>
             <a:r>
-              <a:rPr lang="en-GB" dirty="0"/>
+              <a:rPr lang="en-GB" dirty="0">
+                <a:solidFill>
+                  <a:srgbClr val="FF0000"/>
+                </a:solidFill>
+              </a:rPr>
               <a:t>References</a:t>
             </a:r>
-            <a:endParaRPr lang="en-SE" dirty="0"/>
+            <a:endParaRPr lang="en-SE" dirty="0">
+              <a:solidFill>
+                <a:srgbClr val="FF0000"/>
+              </a:solidFill>
+            </a:endParaRPr>
           </a:p>
         </p:txBody>
       </p:sp>
